--- a/slide/B4向け研究紹介.pptx
+++ b/slide/B4向け研究紹介.pptx
@@ -5706,6 +5706,38 @@
               <a:rPr kumimoji="1" lang="ja-JP" altLang="en-US" smtClean="0"/>
               <a:t>9</a:t>
             </a:fld>
+            <a:endParaRPr kumimoji="1" lang="ja-JP" altLang="en-US"/>
+          </a:p>
+        </p:txBody>
+      </p:sp>
+      <p:sp>
+        <p:nvSpPr>
+          <p:cNvPr id="4" name="テキスト ボックス 3">
+            <a:extLst>
+              <a:ext uri="{FF2B5EF4-FFF2-40B4-BE49-F238E27FC236}">
+                <a16:creationId xmlns:a16="http://schemas.microsoft.com/office/drawing/2014/main" id="{AD657D8B-7D39-E344-980D-13CFEA8FA15B}"/>
+              </a:ext>
+            </a:extLst>
+          </p:cNvPr>
+          <p:cNvSpPr txBox="1"/>
+          <p:nvPr/>
+        </p:nvSpPr>
+        <p:spPr>
+          <a:xfrm>
+            <a:off x="6632294" y="5868365"/>
+            <a:ext cx="184731" cy="369332"/>
+          </a:xfrm>
+          <a:prstGeom prst="rect">
+            <a:avLst/>
+          </a:prstGeom>
+          <a:noFill/>
+        </p:spPr>
+        <p:txBody>
+          <a:bodyPr wrap="none" rtlCol="0">
+            <a:spAutoFit/>
+          </a:bodyPr>
+          <a:lstStyle/>
+          <a:p>
             <a:endParaRPr kumimoji="1" lang="ja-JP" altLang="en-US"/>
           </a:p>
         </p:txBody>
